--- a/Resultados.pptx
+++ b/Resultados.pptx
@@ -111,6 +111,11 @@
       </a:defRPr>
     </a:lvl9pPr>
   </p:defaultTextStyle>
+  <p:extLst>
+    <p:ext uri="{EFAFB233-063F-42B5-8137-9DF3F51BA10A}">
+      <p15:sldGuideLst xmlns:p15="http://schemas.microsoft.com/office/powerpoint/2012/main"/>
+    </p:ext>
+  </p:extLst>
 </p:presentation>
 </file>
 
@@ -245,7 +250,7 @@
           <a:p>
             <a:fld id="{C436A759-7C72-40AA-B7B2-13632527B897}" type="datetimeFigureOut">
               <a:rPr lang="en-US" smtClean="0"/>
-              <a:t>8/20/2022</a:t>
+              <a:t>8/21/2022</a:t>
             </a:fld>
             <a:endParaRPr lang="en-US"/>
           </a:p>
@@ -415,7 +420,7 @@
           <a:p>
             <a:fld id="{C436A759-7C72-40AA-B7B2-13632527B897}" type="datetimeFigureOut">
               <a:rPr lang="en-US" smtClean="0"/>
-              <a:t>8/20/2022</a:t>
+              <a:t>8/21/2022</a:t>
             </a:fld>
             <a:endParaRPr lang="en-US"/>
           </a:p>
@@ -595,7 +600,7 @@
           <a:p>
             <a:fld id="{C436A759-7C72-40AA-B7B2-13632527B897}" type="datetimeFigureOut">
               <a:rPr lang="en-US" smtClean="0"/>
-              <a:t>8/20/2022</a:t>
+              <a:t>8/21/2022</a:t>
             </a:fld>
             <a:endParaRPr lang="en-US"/>
           </a:p>
@@ -765,7 +770,7 @@
           <a:p>
             <a:fld id="{C436A759-7C72-40AA-B7B2-13632527B897}" type="datetimeFigureOut">
               <a:rPr lang="en-US" smtClean="0"/>
-              <a:t>8/20/2022</a:t>
+              <a:t>8/21/2022</a:t>
             </a:fld>
             <a:endParaRPr lang="en-US"/>
           </a:p>
@@ -1011,7 +1016,7 @@
           <a:p>
             <a:fld id="{C436A759-7C72-40AA-B7B2-13632527B897}" type="datetimeFigureOut">
               <a:rPr lang="en-US" smtClean="0"/>
-              <a:t>8/20/2022</a:t>
+              <a:t>8/21/2022</a:t>
             </a:fld>
             <a:endParaRPr lang="en-US"/>
           </a:p>
@@ -1243,7 +1248,7 @@
           <a:p>
             <a:fld id="{C436A759-7C72-40AA-B7B2-13632527B897}" type="datetimeFigureOut">
               <a:rPr lang="en-US" smtClean="0"/>
-              <a:t>8/20/2022</a:t>
+              <a:t>8/21/2022</a:t>
             </a:fld>
             <a:endParaRPr lang="en-US"/>
           </a:p>
@@ -1610,7 +1615,7 @@
           <a:p>
             <a:fld id="{C436A759-7C72-40AA-B7B2-13632527B897}" type="datetimeFigureOut">
               <a:rPr lang="en-US" smtClean="0"/>
-              <a:t>8/20/2022</a:t>
+              <a:t>8/21/2022</a:t>
             </a:fld>
             <a:endParaRPr lang="en-US"/>
           </a:p>
@@ -1728,7 +1733,7 @@
           <a:p>
             <a:fld id="{C436A759-7C72-40AA-B7B2-13632527B897}" type="datetimeFigureOut">
               <a:rPr lang="en-US" smtClean="0"/>
-              <a:t>8/20/2022</a:t>
+              <a:t>8/21/2022</a:t>
             </a:fld>
             <a:endParaRPr lang="en-US"/>
           </a:p>
@@ -1823,7 +1828,7 @@
           <a:p>
             <a:fld id="{C436A759-7C72-40AA-B7B2-13632527B897}" type="datetimeFigureOut">
               <a:rPr lang="en-US" smtClean="0"/>
-              <a:t>8/20/2022</a:t>
+              <a:t>8/21/2022</a:t>
             </a:fld>
             <a:endParaRPr lang="en-US"/>
           </a:p>
@@ -2100,7 +2105,7 @@
           <a:p>
             <a:fld id="{C436A759-7C72-40AA-B7B2-13632527B897}" type="datetimeFigureOut">
               <a:rPr lang="en-US" smtClean="0"/>
-              <a:t>8/20/2022</a:t>
+              <a:t>8/21/2022</a:t>
             </a:fld>
             <a:endParaRPr lang="en-US"/>
           </a:p>
@@ -2353,7 +2358,7 @@
           <a:p>
             <a:fld id="{C436A759-7C72-40AA-B7B2-13632527B897}" type="datetimeFigureOut">
               <a:rPr lang="en-US" smtClean="0"/>
-              <a:t>8/20/2022</a:t>
+              <a:t>8/21/2022</a:t>
             </a:fld>
             <a:endParaRPr lang="en-US"/>
           </a:p>
@@ -2566,7 +2571,7 @@
           <a:p>
             <a:fld id="{C436A759-7C72-40AA-B7B2-13632527B897}" type="datetimeFigureOut">
               <a:rPr lang="en-US" smtClean="0"/>
-              <a:t>8/20/2022</a:t>
+              <a:t>8/21/2022</a:t>
             </a:fld>
             <a:endParaRPr lang="en-US"/>
           </a:p>
@@ -6779,6 +6784,31 @@
               </a:rPr>
               <a:t> facturas pendientes corresponden a Mayo del 2022 y todas se materializarán ( no serán rechazadas ) </a:t>
             </a:r>
+            <a:r>
+              <a:rPr kumimoji="0" lang="es-PE" sz="1400" b="0" i="0" u="none" strike="noStrike" kern="1200" cap="none" spc="0" normalizeH="0" noProof="0" dirty="0" smtClean="0">
+                <a:ln>
+                  <a:noFill/>
+                </a:ln>
+                <a:effectLst/>
+                <a:uLnTx/>
+                <a:uFillTx/>
+                <a:latin typeface="Lato Light"/>
+                <a:ea typeface="Open Sans" panose="020B0606030504020204" pitchFamily="34" charset="0"/>
+                <a:cs typeface="Open Sans" panose="020B0606030504020204" pitchFamily="34" charset="0"/>
+              </a:rPr>
+              <a:t>, no consideraremos facturas rechazadas</a:t>
+            </a:r>
+            <a:endParaRPr kumimoji="0" lang="es-PE" sz="1400" b="0" i="0" u="none" strike="noStrike" kern="1200" cap="none" spc="0" normalizeH="0" noProof="0" dirty="0" smtClean="0">
+              <a:ln>
+                <a:noFill/>
+              </a:ln>
+              <a:effectLst/>
+              <a:uLnTx/>
+              <a:uFillTx/>
+              <a:latin typeface="Lato Light"/>
+              <a:ea typeface="Open Sans" panose="020B0606030504020204" pitchFamily="34" charset="0"/>
+              <a:cs typeface="Open Sans" panose="020B0606030504020204" pitchFamily="34" charset="0"/>
+            </a:endParaRPr>
           </a:p>
           <a:p>
             <a:pPr marL="285750" marR="0" lvl="0" indent="-285750" algn="l" defTabSz="914400" rtl="0" eaLnBrk="1" fontAlgn="auto" latinLnBrk="0" hangingPunct="1">
@@ -9147,7 +9177,7 @@
         <p:spPr>
           <a:xfrm>
             <a:off x="791564" y="1227981"/>
-            <a:ext cx="9666886" cy="1050929"/>
+            <a:ext cx="9666886" cy="1434367"/>
           </a:xfrm>
           <a:prstGeom prst="rect">
             <a:avLst/>
@@ -9306,8 +9336,64 @@
                 <a:ea typeface="Open Sans" panose="020B0606030504020204" pitchFamily="34" charset="0"/>
                 <a:cs typeface="Open Sans" panose="020B0606030504020204" pitchFamily="34" charset="0"/>
               </a:rPr>
-              <a:t> su flujo de dinero y segmentar a la cartera</a:t>
-            </a:r>
+              <a:t> su flujo de dinero y segmentar a la </a:t>
+            </a:r>
+            <a:r>
+              <a:rPr lang="es-PE" sz="1400" noProof="0" dirty="0" smtClean="0">
+                <a:latin typeface="Lato Light"/>
+                <a:ea typeface="Open Sans" panose="020B0606030504020204" pitchFamily="34" charset="0"/>
+                <a:cs typeface="Open Sans" panose="020B0606030504020204" pitchFamily="34" charset="0"/>
+              </a:rPr>
+              <a:t>cartera</a:t>
+            </a:r>
+          </a:p>
+          <a:p>
+            <a:pPr marL="285750" marR="0" lvl="0" indent="-285750" algn="l" defTabSz="914400" rtl="0" eaLnBrk="1" fontAlgn="auto" latinLnBrk="0" hangingPunct="1">
+              <a:lnSpc>
+                <a:spcPct val="89000"/>
+              </a:lnSpc>
+              <a:spcBef>
+                <a:spcPts val="0"/>
+              </a:spcBef>
+              <a:spcAft>
+                <a:spcPts val="0"/>
+              </a:spcAft>
+              <a:buClrTx/>
+              <a:buSzTx/>
+              <a:buFont typeface="Wingdings" panose="05000000000000000000" pitchFamily="2" charset="2"/>
+              <a:buChar char="ü"/>
+              <a:tabLst/>
+              <a:defRPr/>
+            </a:pPr>
+            <a:r>
+              <a:rPr lang="es-PE" sz="1400" dirty="0" smtClean="0">
+                <a:latin typeface="Lato Light"/>
+                <a:ea typeface="Open Sans" panose="020B0606030504020204" pitchFamily="34" charset="0"/>
+                <a:cs typeface="Open Sans" panose="020B0606030504020204" pitchFamily="34" charset="0"/>
+              </a:rPr>
+              <a:t>Conocer el concepto de la transacción, a fin de poder identificar gastos fijos que ayudaría a estimar el volumen </a:t>
+            </a:r>
+            <a:r>
+              <a:rPr lang="es-PE" sz="1400" dirty="0" err="1" smtClean="0">
+                <a:latin typeface="Lato Light"/>
+                <a:ea typeface="Open Sans" panose="020B0606030504020204" pitchFamily="34" charset="0"/>
+                <a:cs typeface="Open Sans" panose="020B0606030504020204" pitchFamily="34" charset="0"/>
+              </a:rPr>
+              <a:t>transaccionado</a:t>
+            </a:r>
+            <a:r>
+              <a:rPr lang="es-PE" sz="1400" dirty="0" smtClean="0">
+                <a:latin typeface="Lato Light"/>
+                <a:ea typeface="Open Sans" panose="020B0606030504020204" pitchFamily="34" charset="0"/>
+                <a:cs typeface="Open Sans" panose="020B0606030504020204" pitchFamily="34" charset="0"/>
+              </a:rPr>
+              <a:t> mensual de cada establecimiento</a:t>
+            </a:r>
+            <a:endParaRPr lang="es-PE" sz="1400" noProof="0" dirty="0" smtClean="0">
+              <a:latin typeface="Lato Light"/>
+              <a:ea typeface="Open Sans" panose="020B0606030504020204" pitchFamily="34" charset="0"/>
+              <a:cs typeface="Open Sans" panose="020B0606030504020204" pitchFamily="34" charset="0"/>
+            </a:endParaRPr>
           </a:p>
         </p:txBody>
       </p:sp>

--- a/Resultados.pptx
+++ b/Resultados.pptx
@@ -6782,33 +6782,8 @@
                 <a:ea typeface="Open Sans" panose="020B0606030504020204" pitchFamily="34" charset="0"/>
                 <a:cs typeface="Open Sans" panose="020B0606030504020204" pitchFamily="34" charset="0"/>
               </a:rPr>
-              <a:t> facturas pendientes corresponden a Mayo del 2022 y todas se materializarán ( no serán rechazadas ) </a:t>
-            </a:r>
-            <a:r>
-              <a:rPr kumimoji="0" lang="es-PE" sz="1400" b="0" i="0" u="none" strike="noStrike" kern="1200" cap="none" spc="0" normalizeH="0" noProof="0" dirty="0" smtClean="0">
-                <a:ln>
-                  <a:noFill/>
-                </a:ln>
-                <a:effectLst/>
-                <a:uLnTx/>
-                <a:uFillTx/>
-                <a:latin typeface="Lato Light"/>
-                <a:ea typeface="Open Sans" panose="020B0606030504020204" pitchFamily="34" charset="0"/>
-                <a:cs typeface="Open Sans" panose="020B0606030504020204" pitchFamily="34" charset="0"/>
-              </a:rPr>
-              <a:t>, no consideraremos facturas rechazadas</a:t>
-            </a:r>
-            <a:endParaRPr kumimoji="0" lang="es-PE" sz="1400" b="0" i="0" u="none" strike="noStrike" kern="1200" cap="none" spc="0" normalizeH="0" noProof="0" dirty="0" smtClean="0">
-              <a:ln>
-                <a:noFill/>
-              </a:ln>
-              <a:effectLst/>
-              <a:uLnTx/>
-              <a:uFillTx/>
-              <a:latin typeface="Lato Light"/>
-              <a:ea typeface="Open Sans" panose="020B0606030504020204" pitchFamily="34" charset="0"/>
-              <a:cs typeface="Open Sans" panose="020B0606030504020204" pitchFamily="34" charset="0"/>
-            </a:endParaRPr>
+              <a:t> facturas pendientes corresponden a Mayo del 2022 y todas se materializarán ( no serán rechazadas ) , no consideraremos facturas rechazadas</a:t>
+            </a:r>
           </a:p>
           <a:p>
             <a:pPr marL="285750" marR="0" lvl="0" indent="-285750" algn="l" defTabSz="914400" rtl="0" eaLnBrk="1" fontAlgn="auto" latinLnBrk="0" hangingPunct="1">
@@ -8836,7 +8811,7 @@
         <p:spPr>
           <a:xfrm>
             <a:off x="7260583" y="4189552"/>
-            <a:ext cx="3321420" cy="1872692"/>
+            <a:ext cx="3321420" cy="2639569"/>
           </a:xfrm>
           <a:prstGeom prst="rect">
             <a:avLst/>
@@ -8955,6 +8930,44 @@
                 <a:cs typeface="Open Sans" panose="020B0606030504020204" pitchFamily="34" charset="0"/>
               </a:rPr>
               <a:t>transaccionado</a:t>
+            </a:r>
+            <a:endParaRPr lang="es-PE" sz="1400" dirty="0" smtClean="0">
+              <a:solidFill>
+                <a:srgbClr val="FF0000"/>
+              </a:solidFill>
+              <a:latin typeface="Lato Light"/>
+              <a:ea typeface="Open Sans" panose="020B0606030504020204" pitchFamily="34" charset="0"/>
+              <a:cs typeface="Open Sans" panose="020B0606030504020204" pitchFamily="34" charset="0"/>
+            </a:endParaRPr>
+          </a:p>
+          <a:p>
+            <a:pPr marL="285750" marR="0" lvl="0" indent="-285750" algn="l" defTabSz="914400" rtl="0" eaLnBrk="1" fontAlgn="auto" latinLnBrk="0" hangingPunct="1">
+              <a:lnSpc>
+                <a:spcPct val="89000"/>
+              </a:lnSpc>
+              <a:spcBef>
+                <a:spcPts val="0"/>
+              </a:spcBef>
+              <a:spcAft>
+                <a:spcPts val="0"/>
+              </a:spcAft>
+              <a:buClrTx/>
+              <a:buSzTx/>
+              <a:buFont typeface="Wingdings" panose="05000000000000000000" pitchFamily="2" charset="2"/>
+              <a:buChar char="ü"/>
+              <a:tabLst/>
+              <a:defRPr/>
+            </a:pPr>
+            <a:r>
+              <a:rPr lang="es-PE" sz="1400" dirty="0" smtClean="0">
+                <a:solidFill>
+                  <a:srgbClr val="FF0000"/>
+                </a:solidFill>
+                <a:latin typeface="Lato Light"/>
+                <a:ea typeface="Open Sans" panose="020B0606030504020204" pitchFamily="34" charset="0"/>
+                <a:cs typeface="Open Sans" panose="020B0606030504020204" pitchFamily="34" charset="0"/>
+              </a:rPr>
+              <a:t>Por la poca cantidad de datos mensuales que se usan, podría ser necesario reestimar el modelo cada mes</a:t>
             </a:r>
             <a:endParaRPr kumimoji="0" lang="en-US" sz="1400" b="0" i="0" u="none" strike="noStrike" kern="1200" cap="none" spc="0" normalizeH="0" baseline="0" noProof="0" dirty="0">
               <a:ln>
@@ -9177,7 +9190,7 @@
         <p:spPr>
           <a:xfrm>
             <a:off x="791564" y="1227981"/>
-            <a:ext cx="9666886" cy="1434367"/>
+            <a:ext cx="9666886" cy="1817805"/>
           </a:xfrm>
           <a:prstGeom prst="rect">
             <a:avLst/>
@@ -9336,15 +9349,7 @@
                 <a:ea typeface="Open Sans" panose="020B0606030504020204" pitchFamily="34" charset="0"/>
                 <a:cs typeface="Open Sans" panose="020B0606030504020204" pitchFamily="34" charset="0"/>
               </a:rPr>
-              <a:t> su flujo de dinero y segmentar a la </a:t>
-            </a:r>
-            <a:r>
-              <a:rPr lang="es-PE" sz="1400" noProof="0" dirty="0" smtClean="0">
-                <a:latin typeface="Lato Light"/>
-                <a:ea typeface="Open Sans" panose="020B0606030504020204" pitchFamily="34" charset="0"/>
-                <a:cs typeface="Open Sans" panose="020B0606030504020204" pitchFamily="34" charset="0"/>
-              </a:rPr>
-              <a:t>cartera</a:t>
+              <a:t> su flujo de dinero y segmentar a la cartera</a:t>
             </a:r>
           </a:p>
           <a:p>
@@ -9387,7 +9392,66 @@
                 <a:ea typeface="Open Sans" panose="020B0606030504020204" pitchFamily="34" charset="0"/>
                 <a:cs typeface="Open Sans" panose="020B0606030504020204" pitchFamily="34" charset="0"/>
               </a:rPr>
-              <a:t> mensual de cada establecimiento</a:t>
+              <a:t> mensual de cada </a:t>
+            </a:r>
+            <a:r>
+              <a:rPr lang="es-PE" sz="1400" dirty="0" smtClean="0">
+                <a:latin typeface="Lato Light"/>
+                <a:ea typeface="Open Sans" panose="020B0606030504020204" pitchFamily="34" charset="0"/>
+                <a:cs typeface="Open Sans" panose="020B0606030504020204" pitchFamily="34" charset="0"/>
+              </a:rPr>
+              <a:t>establecimiento</a:t>
+            </a:r>
+          </a:p>
+          <a:p>
+            <a:pPr marL="285750" marR="0" lvl="0" indent="-285750" algn="l" defTabSz="914400" rtl="0" eaLnBrk="1" fontAlgn="auto" latinLnBrk="0" hangingPunct="1">
+              <a:lnSpc>
+                <a:spcPct val="89000"/>
+              </a:lnSpc>
+              <a:spcBef>
+                <a:spcPts val="0"/>
+              </a:spcBef>
+              <a:spcAft>
+                <a:spcPts val="0"/>
+              </a:spcAft>
+              <a:buClrTx/>
+              <a:buSzTx/>
+              <a:buFont typeface="Wingdings" panose="05000000000000000000" pitchFamily="2" charset="2"/>
+              <a:buChar char="ü"/>
+              <a:tabLst/>
+              <a:defRPr/>
+            </a:pPr>
+            <a:r>
+              <a:rPr lang="es-PE" sz="1400" noProof="0" dirty="0" err="1" smtClean="0">
+                <a:latin typeface="Lato Light"/>
+                <a:ea typeface="Open Sans" panose="020B0606030504020204" pitchFamily="34" charset="0"/>
+                <a:cs typeface="Open Sans" panose="020B0606030504020204" pitchFamily="34" charset="0"/>
+              </a:rPr>
+              <a:t>Podria</a:t>
+            </a:r>
+            <a:r>
+              <a:rPr lang="es-PE" sz="1400" noProof="0" dirty="0" smtClean="0">
+                <a:latin typeface="Lato Light"/>
+                <a:ea typeface="Open Sans" panose="020B0606030504020204" pitchFamily="34" charset="0"/>
+                <a:cs typeface="Open Sans" panose="020B0606030504020204" pitchFamily="34" charset="0"/>
+              </a:rPr>
+              <a:t> intentar emplearse variables macroeconómicas, el régimen de las pymes normalmente va de la mano con la situación </a:t>
+            </a:r>
+            <a:r>
+              <a:rPr lang="es-PE" sz="1400" noProof="0" dirty="0" err="1" smtClean="0">
+                <a:latin typeface="Lato Light"/>
+                <a:ea typeface="Open Sans" panose="020B0606030504020204" pitchFamily="34" charset="0"/>
+                <a:cs typeface="Open Sans" panose="020B0606030504020204" pitchFamily="34" charset="0"/>
+              </a:rPr>
+              <a:t>ecómica</a:t>
+            </a:r>
+            <a:r>
+              <a:rPr lang="es-PE" sz="1400" noProof="0" dirty="0" smtClean="0">
+                <a:latin typeface="Lato Light"/>
+                <a:ea typeface="Open Sans" panose="020B0606030504020204" pitchFamily="34" charset="0"/>
+                <a:cs typeface="Open Sans" panose="020B0606030504020204" pitchFamily="34" charset="0"/>
+              </a:rPr>
+              <a:t> del país.</a:t>
             </a:r>
             <a:endParaRPr lang="es-PE" sz="1400" noProof="0" dirty="0" smtClean="0">
               <a:latin typeface="Lato Light"/>
